--- a/Devide and Conquer/Chia và trị.pptx
+++ b/Devide and Conquer/Chia và trị.pptx
@@ -11,6 +11,7 @@
     <p:sldId id="259" r:id="rId5"/>
     <p:sldId id="260" r:id="rId6"/>
     <p:sldId id="261" r:id="rId7"/>
+    <p:sldId id="262" r:id="rId8"/>
   </p:sldIdLst>
   <p:sldSz cx="12192000" cy="6858000"/>
   <p:notesSz cx="6858000" cy="9144000"/>
@@ -109,6 +110,11 @@
       </a:defRPr>
     </a:lvl9pPr>
   </p:defaultTextStyle>
+  <p:extLst>
+    <p:ext uri="{EFAFB233-063F-42B5-8137-9DF3F51BA10A}">
+      <p15:sldGuideLst xmlns:p15="http://schemas.microsoft.com/office/powerpoint/2012/main"/>
+    </p:ext>
+  </p:extLst>
 </p:presentation>
 </file>
 
@@ -3814,7 +3820,7 @@
         </p:blipFill>
         <p:spPr>
           <a:xfrm>
-            <a:off x="2702403" y="3327739"/>
+            <a:off x="2702403" y="3050999"/>
             <a:ext cx="5302910" cy="950295"/>
           </a:xfrm>
           <a:prstGeom prst="rect">
@@ -4038,6 +4044,131 @@
     <p:extLst>
       <p:ext uri="{BB962C8B-B14F-4D97-AF65-F5344CB8AC3E}">
         <p14:creationId xmlns:p14="http://schemas.microsoft.com/office/powerpoint/2010/main" val="352865423"/>
+      </p:ext>
+    </p:extLst>
+  </p:cSld>
+  <p:clrMapOvr>
+    <a:masterClrMapping/>
+  </p:clrMapOvr>
+</p:sld>
+</file>
+
+<file path=ppt/slides/slide7.xml><?xml version="1.0" encoding="utf-8"?>
+<p:sld xmlns:a="http://schemas.openxmlformats.org/drawingml/2006/main" xmlns:r="http://schemas.openxmlformats.org/officeDocument/2006/relationships" xmlns:p="http://schemas.openxmlformats.org/presentationml/2006/main">
+  <p:cSld>
+    <p:spTree>
+      <p:nvGrpSpPr>
+        <p:cNvPr id="1" name=""/>
+        <p:cNvGrpSpPr/>
+        <p:nvPr/>
+      </p:nvGrpSpPr>
+      <p:grpSpPr>
+        <a:xfrm>
+          <a:off x="0" y="0"/>
+          <a:ext cx="0" cy="0"/>
+          <a:chOff x="0" y="0"/>
+          <a:chExt cx="0" cy="0"/>
+        </a:xfrm>
+      </p:grpSpPr>
+      <p:sp>
+        <p:nvSpPr>
+          <p:cNvPr id="2" name="Title 1">
+            <a:extLst>
+              <a:ext uri="{FF2B5EF4-FFF2-40B4-BE49-F238E27FC236}">
+                <a16:creationId xmlns:a16="http://schemas.microsoft.com/office/drawing/2014/main" id="{C9905E84-816C-93C6-103E-18272F200302}"/>
+              </a:ext>
+            </a:extLst>
+          </p:cNvPr>
+          <p:cNvSpPr>
+            <a:spLocks noGrp="1"/>
+          </p:cNvSpPr>
+          <p:nvPr>
+            <p:ph type="title"/>
+          </p:nvPr>
+        </p:nvSpPr>
+        <p:spPr>
+          <a:xfrm>
+            <a:off x="838200" y="365126"/>
+            <a:ext cx="10515600" cy="902958"/>
+          </a:xfrm>
+        </p:spPr>
+        <p:txBody>
+          <a:bodyPr/>
+          <a:lstStyle/>
+          <a:p>
+            <a:r>
+              <a:rPr lang="en-US">
+                <a:solidFill>
+                  <a:srgbClr val="FF0000"/>
+                </a:solidFill>
+              </a:rPr>
+              <a:t>Code</a:t>
+            </a:r>
+          </a:p>
+        </p:txBody>
+      </p:sp>
+      <p:pic>
+        <p:nvPicPr>
+          <p:cNvPr id="5" name="Content Placeholder 4">
+            <a:extLst>
+              <a:ext uri="{FF2B5EF4-FFF2-40B4-BE49-F238E27FC236}">
+                <a16:creationId xmlns:a16="http://schemas.microsoft.com/office/drawing/2014/main" id="{897BFFC0-C81A-0C0B-E351-CCBBD637CBD3}"/>
+              </a:ext>
+            </a:extLst>
+          </p:cNvPr>
+          <p:cNvPicPr>
+            <a:picLocks noGrp="1" noChangeAspect="1"/>
+          </p:cNvPicPr>
+          <p:nvPr>
+            <p:ph idx="1"/>
+          </p:nvPr>
+        </p:nvPicPr>
+        <p:blipFill>
+          <a:blip r:embed="rId2"/>
+          <a:stretch>
+            <a:fillRect/>
+          </a:stretch>
+        </p:blipFill>
+        <p:spPr>
+          <a:xfrm>
+            <a:off x="613912" y="1454689"/>
+            <a:ext cx="6708725" cy="4635559"/>
+          </a:xfrm>
+        </p:spPr>
+      </p:pic>
+      <p:pic>
+        <p:nvPicPr>
+          <p:cNvPr id="7" name="Picture 6">
+            <a:extLst>
+              <a:ext uri="{FF2B5EF4-FFF2-40B4-BE49-F238E27FC236}">
+                <a16:creationId xmlns:a16="http://schemas.microsoft.com/office/drawing/2014/main" id="{8571255E-9784-21DB-C66B-E5F151C016A8}"/>
+              </a:ext>
+            </a:extLst>
+          </p:cNvPr>
+          <p:cNvPicPr>
+            <a:picLocks noChangeAspect="1"/>
+          </p:cNvPicPr>
+          <p:nvPr/>
+        </p:nvPicPr>
+        <p:blipFill rotWithShape="1">
+          <a:blip r:embed="rId3"/>
+          <a:srcRect r="13082"/>
+          <a:stretch/>
+        </p:blipFill>
+        <p:spPr>
+          <a:xfrm>
+            <a:off x="7440258" y="1454689"/>
+            <a:ext cx="4514190" cy="4635560"/>
+          </a:xfrm>
+          <a:prstGeom prst="rect">
+            <a:avLst/>
+          </a:prstGeom>
+        </p:spPr>
+      </p:pic>
+    </p:spTree>
+    <p:extLst>
+      <p:ext uri="{BB962C8B-B14F-4D97-AF65-F5344CB8AC3E}">
+        <p14:creationId xmlns:p14="http://schemas.microsoft.com/office/powerpoint/2010/main" val="4225423400"/>
       </p:ext>
     </p:extLst>
   </p:cSld>
